--- a/MetisASLPre.pptx
+++ b/MetisASLPre.pptx
@@ -300,6 +300,9 @@
           </p15:clr>
         </p15:guide>
       </p15:sldGuideLst>
+    </p:ext>
+    <p:ext uri="{2D200454-40CA-4A62-9FC3-DE9A4176ACB9}">
+      <p15:notesGuideLst xmlns:p15="http://schemas.microsoft.com/office/powerpoint/2012/main"/>
     </p:ext>
   </p:extLst>
 </p:presentation>
@@ -9355,8 +9358,8 @@
         </p:nvSpPr>
         <p:spPr>
           <a:xfrm>
-            <a:off x="2925300" y="2809150"/>
-            <a:ext cx="3293400" cy="595500"/>
+            <a:off x="2603138" y="2967408"/>
+            <a:ext cx="3937724" cy="595500"/>
           </a:xfrm>
           <a:prstGeom prst="rect">
             <a:avLst/>
@@ -9403,7 +9406,7 @@
             </a:pPr>
             <a:r>
               <a:rPr lang="en" dirty="0"/>
-              <a:t>Metis Data Science Bootcamp</a:t>
+              <a:t>Metis Data Science Machine learning Bootcamp</a:t>
             </a:r>
             <a:endParaRPr dirty="0"/>
           </a:p>
@@ -10672,8 +10675,8 @@
         </p:nvSpPr>
         <p:spPr>
           <a:xfrm>
-            <a:off x="695871" y="474968"/>
-            <a:ext cx="1725357" cy="572700"/>
+            <a:off x="695872" y="474968"/>
+            <a:ext cx="3001922" cy="572700"/>
           </a:xfrm>
         </p:spPr>
         <p:txBody>
@@ -10682,7 +10685,7 @@
           <a:p>
             <a:r>
               <a:rPr lang="en-US" dirty="0"/>
-              <a:t>Workflow</a:t>
+              <a:t>Workflow and tool</a:t>
             </a:r>
           </a:p>
         </p:txBody>
@@ -10751,7 +10754,7 @@
         <p:spPr>
           <a:xfrm>
             <a:off x="590487" y="2860921"/>
-            <a:ext cx="1487509" cy="523220"/>
+            <a:ext cx="1830741" cy="523220"/>
           </a:xfrm>
           <a:prstGeom prst="rect">
             <a:avLst/>
@@ -10771,6 +10774,14 @@
             <a:r>
               <a:rPr lang="en-US" dirty="0" err="1"/>
               <a:t>Opencv</a:t>
+            </a:r>
+            <a:r>
+              <a:rPr lang="en-US" dirty="0"/>
+              <a:t>, </a:t>
+            </a:r>
+            <a:r>
+              <a:rPr lang="en-US" dirty="0" err="1"/>
+              <a:t>Numpy</a:t>
             </a:r>
             <a:endParaRPr lang="en-US" dirty="0"/>
           </a:p>
@@ -10968,8 +10979,8 @@
         </p:nvSpPr>
         <p:spPr>
           <a:xfrm>
-            <a:off x="3342067" y="2866826"/>
-            <a:ext cx="2762518" cy="954107"/>
+            <a:off x="3593526" y="2842206"/>
+            <a:ext cx="5205136" cy="738664"/>
           </a:xfrm>
           <a:prstGeom prst="rect">
             <a:avLst/>
@@ -10990,13 +11001,29 @@
           <a:p>
             <a:r>
               <a:rPr lang="en-US" dirty="0"/>
-              <a:t>Custom 3 layers CNN</a:t>
+              <a:t>Custom 3 layers CNN (1 channel, in google </a:t>
+            </a:r>
+            <a:r>
+              <a:rPr lang="en-US" dirty="0" err="1"/>
+              <a:t>colab</a:t>
+            </a:r>
+            <a:r>
+              <a:rPr lang="en-US" dirty="0"/>
+              <a:t>)</a:t>
             </a:r>
           </a:p>
           <a:p>
             <a:r>
               <a:rPr lang="en-US" dirty="0"/>
-              <a:t>Transfer modeling (MobileNetV2, EfficientNetB0)</a:t>
+              <a:t>MobileNetV2, EfficientNetB0 (3 channels, embedded in </a:t>
+            </a:r>
+            <a:r>
+              <a:rPr lang="en-US" dirty="0" err="1"/>
+              <a:t>keras</a:t>
+            </a:r>
+            <a:r>
+              <a:rPr lang="en-US" dirty="0"/>
+              <a:t>)</a:t>
             </a:r>
           </a:p>
         </p:txBody>
@@ -11082,6 +11109,194 @@
           </a:p>
         </p:txBody>
       </p:sp>
+      <p:pic>
+        <p:nvPicPr>
+          <p:cNvPr id="1026" name="Picture 2" descr="Image result for numpy python">
+            <a:extLst>
+              <a:ext uri="{FF2B5EF4-FFF2-40B4-BE49-F238E27FC236}">
+                <a16:creationId xmlns:a16="http://schemas.microsoft.com/office/drawing/2014/main" id="{04D689F4-513B-4BF6-8871-56D4B53F57C2}"/>
+              </a:ext>
+            </a:extLst>
+          </p:cNvPr>
+          <p:cNvPicPr>
+            <a:picLocks noChangeAspect="1" noChangeArrowheads="1"/>
+          </p:cNvPicPr>
+          <p:nvPr/>
+        </p:nvPicPr>
+        <p:blipFill>
+          <a:blip r:embed="rId2">
+            <a:extLst>
+              <a:ext uri="{28A0092B-C50C-407E-A947-70E740481C1C}">
+                <a14:useLocalDpi xmlns:a14="http://schemas.microsoft.com/office/drawing/2010/main" val="0"/>
+              </a:ext>
+            </a:extLst>
+          </a:blip>
+          <a:srcRect/>
+          <a:stretch>
+            <a:fillRect/>
+          </a:stretch>
+        </p:blipFill>
+        <p:spPr bwMode="auto">
+          <a:xfrm>
+            <a:off x="1711535" y="3676296"/>
+            <a:ext cx="822590" cy="822590"/>
+          </a:xfrm>
+          <a:prstGeom prst="rect">
+            <a:avLst/>
+          </a:prstGeom>
+          <a:noFill/>
+          <a:extLst>
+            <a:ext uri="{909E8E84-426E-40DD-AFC4-6F175D3DCCD1}">
+              <a14:hiddenFill xmlns:a14="http://schemas.microsoft.com/office/drawing/2010/main">
+                <a:solidFill>
+                  <a:srgbClr val="FFFFFF"/>
+                </a:solidFill>
+              </a14:hiddenFill>
+            </a:ext>
+          </a:extLst>
+        </p:spPr>
+      </p:pic>
+      <p:pic>
+        <p:nvPicPr>
+          <p:cNvPr id="1028" name="Picture 4" descr="Image result for open cv">
+            <a:extLst>
+              <a:ext uri="{FF2B5EF4-FFF2-40B4-BE49-F238E27FC236}">
+                <a16:creationId xmlns:a16="http://schemas.microsoft.com/office/drawing/2014/main" id="{DAC5900E-B6DD-0BE3-0E94-61E14E8EE4D6}"/>
+              </a:ext>
+            </a:extLst>
+          </p:cNvPr>
+          <p:cNvPicPr>
+            <a:picLocks noChangeAspect="1" noChangeArrowheads="1"/>
+          </p:cNvPicPr>
+          <p:nvPr/>
+        </p:nvPicPr>
+        <p:blipFill>
+          <a:blip r:embed="rId3">
+            <a:extLst>
+              <a:ext uri="{28A0092B-C50C-407E-A947-70E740481C1C}">
+                <a14:useLocalDpi xmlns:a14="http://schemas.microsoft.com/office/drawing/2010/main" val="0"/>
+              </a:ext>
+            </a:extLst>
+          </a:blip>
+          <a:srcRect/>
+          <a:stretch>
+            <a:fillRect/>
+          </a:stretch>
+        </p:blipFill>
+        <p:spPr bwMode="auto">
+          <a:xfrm>
+            <a:off x="579455" y="3533998"/>
+            <a:ext cx="895269" cy="1110134"/>
+          </a:xfrm>
+          <a:prstGeom prst="rect">
+            <a:avLst/>
+          </a:prstGeom>
+          <a:noFill/>
+          <a:extLst>
+            <a:ext uri="{909E8E84-426E-40DD-AFC4-6F175D3DCCD1}">
+              <a14:hiddenFill xmlns:a14="http://schemas.microsoft.com/office/drawing/2010/main">
+                <a:solidFill>
+                  <a:srgbClr val="FFFFFF"/>
+                </a:solidFill>
+              </a14:hiddenFill>
+            </a:ext>
+          </a:extLst>
+        </p:spPr>
+      </p:pic>
+      <p:pic>
+        <p:nvPicPr>
+          <p:cNvPr id="1030" name="Picture 6" descr="Image result for keras">
+            <a:extLst>
+              <a:ext uri="{FF2B5EF4-FFF2-40B4-BE49-F238E27FC236}">
+                <a16:creationId xmlns:a16="http://schemas.microsoft.com/office/drawing/2014/main" id="{329F57D9-31E0-FF40-85F6-71C5BD17F72D}"/>
+              </a:ext>
+            </a:extLst>
+          </p:cNvPr>
+          <p:cNvPicPr>
+            <a:picLocks noChangeAspect="1" noChangeArrowheads="1"/>
+          </p:cNvPicPr>
+          <p:nvPr/>
+        </p:nvPicPr>
+        <p:blipFill>
+          <a:blip r:embed="rId4">
+            <a:extLst>
+              <a:ext uri="{28A0092B-C50C-407E-A947-70E740481C1C}">
+                <a14:useLocalDpi xmlns:a14="http://schemas.microsoft.com/office/drawing/2010/main" val="0"/>
+              </a:ext>
+            </a:extLst>
+          </a:blip>
+          <a:srcRect/>
+          <a:stretch>
+            <a:fillRect/>
+          </a:stretch>
+        </p:blipFill>
+        <p:spPr bwMode="auto">
+          <a:xfrm>
+            <a:off x="1958166" y="1238978"/>
+            <a:ext cx="1317596" cy="382103"/>
+          </a:xfrm>
+          <a:prstGeom prst="rect">
+            <a:avLst/>
+          </a:prstGeom>
+          <a:noFill/>
+          <a:extLst>
+            <a:ext uri="{909E8E84-426E-40DD-AFC4-6F175D3DCCD1}">
+              <a14:hiddenFill xmlns:a14="http://schemas.microsoft.com/office/drawing/2010/main">
+                <a:solidFill>
+                  <a:srgbClr val="FFFFFF"/>
+                </a:solidFill>
+              </a14:hiddenFill>
+            </a:ext>
+          </a:extLst>
+        </p:spPr>
+      </p:pic>
+      <p:pic>
+        <p:nvPicPr>
+          <p:cNvPr id="1032" name="Picture 8">
+            <a:extLst>
+              <a:ext uri="{FF2B5EF4-FFF2-40B4-BE49-F238E27FC236}">
+                <a16:creationId xmlns:a16="http://schemas.microsoft.com/office/drawing/2014/main" id="{DC5D5954-92AC-4C4D-F540-645C5766002A}"/>
+              </a:ext>
+            </a:extLst>
+          </p:cNvPr>
+          <p:cNvPicPr>
+            <a:picLocks noChangeAspect="1" noChangeArrowheads="1"/>
+          </p:cNvPicPr>
+          <p:nvPr/>
+        </p:nvPicPr>
+        <p:blipFill>
+          <a:blip r:embed="rId5">
+            <a:extLst>
+              <a:ext uri="{28A0092B-C50C-407E-A947-70E740481C1C}">
+                <a14:useLocalDpi xmlns:a14="http://schemas.microsoft.com/office/drawing/2010/main" val="0"/>
+              </a:ext>
+            </a:extLst>
+          </a:blip>
+          <a:srcRect/>
+          <a:stretch>
+            <a:fillRect/>
+          </a:stretch>
+        </p:blipFill>
+        <p:spPr bwMode="auto">
+          <a:xfrm>
+            <a:off x="5518347" y="3630373"/>
+            <a:ext cx="1566915" cy="964255"/>
+          </a:xfrm>
+          <a:prstGeom prst="rect">
+            <a:avLst/>
+          </a:prstGeom>
+          <a:noFill/>
+          <a:extLst>
+            <a:ext uri="{909E8E84-426E-40DD-AFC4-6F175D3DCCD1}">
+              <a14:hiddenFill xmlns:a14="http://schemas.microsoft.com/office/drawing/2010/main">
+                <a:solidFill>
+                  <a:srgbClr val="FFFFFF"/>
+                </a:solidFill>
+              </a14:hiddenFill>
+            </a:ext>
+          </a:extLst>
+        </p:spPr>
+      </p:pic>
     </p:spTree>
     <p:extLst>
       <p:ext uri="{BB962C8B-B14F-4D97-AF65-F5344CB8AC3E}">
@@ -11181,7 +11396,27 @@
                 <a:effectLst/>
                 <a:latin typeface="Times" pitchFamily="2" charset="0"/>
               </a:rPr>
-              <a:t>conv2d 					(Conv2D) 		</a:t>
+              <a:t>conv2d 					(</a:t>
+            </a:r>
+            <a:r>
+              <a:rPr lang="en-US" b="0" i="0" dirty="0">
+                <a:solidFill>
+                  <a:srgbClr val="FF0000"/>
+                </a:solidFill>
+                <a:effectLst/>
+                <a:latin typeface="Times" pitchFamily="2" charset="0"/>
+              </a:rPr>
+              <a:t>Conv2D</a:t>
+            </a:r>
+            <a:r>
+              <a:rPr lang="en-US" b="0" i="0" dirty="0">
+                <a:solidFill>
+                  <a:srgbClr val="212121"/>
+                </a:solidFill>
+                <a:effectLst/>
+                <a:latin typeface="Times" pitchFamily="2" charset="0"/>
+              </a:rPr>
+              <a:t>) 		</a:t>
             </a:r>
             <a:endParaRPr lang="en-US" dirty="0">
               <a:solidFill>
@@ -11209,7 +11444,27 @@
                 <a:effectLst/>
                 <a:latin typeface="Times" pitchFamily="2" charset="0"/>
               </a:rPr>
-              <a:t> 				(Batch Normalization)	</a:t>
+              <a:t> 				(</a:t>
+            </a:r>
+            <a:r>
+              <a:rPr lang="en-US" b="0" i="0" dirty="0">
+                <a:solidFill>
+                  <a:srgbClr val="7030A0"/>
+                </a:solidFill>
+                <a:effectLst/>
+                <a:latin typeface="Times" pitchFamily="2" charset="0"/>
+              </a:rPr>
+              <a:t>Batch Normalization</a:t>
+            </a:r>
+            <a:r>
+              <a:rPr lang="en-US" b="0" i="0" dirty="0">
+                <a:solidFill>
+                  <a:srgbClr val="212121"/>
+                </a:solidFill>
+                <a:effectLst/>
+                <a:latin typeface="Times" pitchFamily="2" charset="0"/>
+              </a:rPr>
+              <a:t>)	</a:t>
             </a:r>
           </a:p>
           <a:p>
@@ -11233,7 +11488,27 @@
                 <a:effectLst/>
                 <a:latin typeface="Times" pitchFamily="2" charset="0"/>
               </a:rPr>
-              <a:t>dropout 					(Dropout) 		</a:t>
+              <a:t>dropout 					(</a:t>
+            </a:r>
+            <a:r>
+              <a:rPr lang="en-US" b="0" i="0" dirty="0">
+                <a:solidFill>
+                  <a:srgbClr val="0070C0"/>
+                </a:solidFill>
+                <a:effectLst/>
+                <a:latin typeface="Times" pitchFamily="2" charset="0"/>
+              </a:rPr>
+              <a:t>Dropout</a:t>
+            </a:r>
+            <a:r>
+              <a:rPr lang="en-US" b="0" i="0" dirty="0">
+                <a:solidFill>
+                  <a:srgbClr val="212121"/>
+                </a:solidFill>
+                <a:effectLst/>
+                <a:latin typeface="Times" pitchFamily="2" charset="0"/>
+              </a:rPr>
+              <a:t>) 		</a:t>
             </a:r>
           </a:p>
           <a:p>
@@ -11245,7 +11520,27 @@
                 <a:effectLst/>
                 <a:latin typeface="Times" pitchFamily="2" charset="0"/>
               </a:rPr>
-              <a:t>conv2d_1 					(Conv2D) 		</a:t>
+              <a:t>conv2d_1 					(</a:t>
+            </a:r>
+            <a:r>
+              <a:rPr lang="en-US" b="0" i="0" dirty="0">
+                <a:solidFill>
+                  <a:srgbClr val="FF0000"/>
+                </a:solidFill>
+                <a:effectLst/>
+                <a:latin typeface="Times" pitchFamily="2" charset="0"/>
+              </a:rPr>
+              <a:t>Conv2D</a:t>
+            </a:r>
+            <a:r>
+              <a:rPr lang="en-US" b="0" i="0" dirty="0">
+                <a:solidFill>
+                  <a:srgbClr val="212121"/>
+                </a:solidFill>
+                <a:effectLst/>
+                <a:latin typeface="Times" pitchFamily="2" charset="0"/>
+              </a:rPr>
+              <a:t>) 		</a:t>
             </a:r>
           </a:p>
           <a:p>
@@ -11257,7 +11552,27 @@
                 <a:effectLst/>
                 <a:latin typeface="Times" pitchFamily="2" charset="0"/>
               </a:rPr>
-              <a:t>batch_normalization_1 				(Batch Normalization)	</a:t>
+              <a:t>batch_normalization_1 				(</a:t>
+            </a:r>
+            <a:r>
+              <a:rPr lang="en-US" b="0" i="0" dirty="0">
+                <a:solidFill>
+                  <a:srgbClr val="7030A0"/>
+                </a:solidFill>
+                <a:effectLst/>
+                <a:latin typeface="Times" pitchFamily="2" charset="0"/>
+              </a:rPr>
+              <a:t>Batch Normalization</a:t>
+            </a:r>
+            <a:r>
+              <a:rPr lang="en-US" b="0" i="0" dirty="0">
+                <a:solidFill>
+                  <a:srgbClr val="212121"/>
+                </a:solidFill>
+                <a:effectLst/>
+                <a:latin typeface="Times" pitchFamily="2" charset="0"/>
+              </a:rPr>
+              <a:t>)	</a:t>
             </a:r>
           </a:p>
           <a:p>
@@ -11281,7 +11596,27 @@
                 <a:effectLst/>
                 <a:latin typeface="Times" pitchFamily="2" charset="0"/>
               </a:rPr>
-              <a:t>dropout_1 					(Dropout) 	</a:t>
+              <a:t>dropout_1 					(</a:t>
+            </a:r>
+            <a:r>
+              <a:rPr lang="en-US" b="0" i="0" dirty="0">
+                <a:solidFill>
+                  <a:srgbClr val="0070C0"/>
+                </a:solidFill>
+                <a:effectLst/>
+                <a:latin typeface="Times" pitchFamily="2" charset="0"/>
+              </a:rPr>
+              <a:t>Dropout</a:t>
+            </a:r>
+            <a:r>
+              <a:rPr lang="en-US" b="0" i="0" dirty="0">
+                <a:solidFill>
+                  <a:srgbClr val="212121"/>
+                </a:solidFill>
+                <a:effectLst/>
+                <a:latin typeface="Times" pitchFamily="2" charset="0"/>
+              </a:rPr>
+              <a:t>) 	</a:t>
             </a:r>
           </a:p>
           <a:p>
@@ -11293,7 +11628,27 @@
                 <a:effectLst/>
                 <a:latin typeface="Times" pitchFamily="2" charset="0"/>
               </a:rPr>
-              <a:t>conv2d_2 					(Conv2D)</a:t>
+              <a:t>conv2d_2 					(</a:t>
+            </a:r>
+            <a:r>
+              <a:rPr lang="en-US" b="0" i="0" dirty="0">
+                <a:solidFill>
+                  <a:srgbClr val="FF0000"/>
+                </a:solidFill>
+                <a:effectLst/>
+                <a:latin typeface="Times" pitchFamily="2" charset="0"/>
+              </a:rPr>
+              <a:t>Conv2D</a:t>
+            </a:r>
+            <a:r>
+              <a:rPr lang="en-US" b="0" i="0" dirty="0">
+                <a:solidFill>
+                  <a:srgbClr val="212121"/>
+                </a:solidFill>
+                <a:effectLst/>
+                <a:latin typeface="Times" pitchFamily="2" charset="0"/>
+              </a:rPr>
+              <a:t>)</a:t>
             </a:r>
           </a:p>
           <a:p>
@@ -11305,7 +11660,27 @@
                 <a:effectLst/>
                 <a:latin typeface="Times" pitchFamily="2" charset="0"/>
               </a:rPr>
-              <a:t>batch_normalization_2				(Batch Normalization)</a:t>
+              <a:t>batch_normalization_2				(</a:t>
+            </a:r>
+            <a:r>
+              <a:rPr lang="en-US" b="0" i="0" dirty="0">
+                <a:solidFill>
+                  <a:srgbClr val="7030A0"/>
+                </a:solidFill>
+                <a:effectLst/>
+                <a:latin typeface="Times" pitchFamily="2" charset="0"/>
+              </a:rPr>
+              <a:t>Batch Normalization</a:t>
+            </a:r>
+            <a:r>
+              <a:rPr lang="en-US" b="0" i="0" dirty="0">
+                <a:solidFill>
+                  <a:srgbClr val="212121"/>
+                </a:solidFill>
+                <a:effectLst/>
+                <a:latin typeface="Times" pitchFamily="2" charset="0"/>
+              </a:rPr>
+              <a:t>)</a:t>
             </a:r>
           </a:p>
           <a:p>
@@ -11335,7 +11710,27 @@
                 <a:effectLst/>
                 <a:latin typeface="Times" pitchFamily="2" charset="0"/>
               </a:rPr>
-              <a:t>dropout_2 					(Dropout) </a:t>
+              <a:t>dropout_2 					(</a:t>
+            </a:r>
+            <a:r>
+              <a:rPr lang="en-US" b="0" i="0" dirty="0">
+                <a:solidFill>
+                  <a:srgbClr val="0070C0"/>
+                </a:solidFill>
+                <a:effectLst/>
+                <a:latin typeface="Times" pitchFamily="2" charset="0"/>
+              </a:rPr>
+              <a:t>Dropout</a:t>
+            </a:r>
+            <a:r>
+              <a:rPr lang="en-US" b="0" i="0" dirty="0">
+                <a:solidFill>
+                  <a:srgbClr val="212121"/>
+                </a:solidFill>
+                <a:effectLst/>
+                <a:latin typeface="Times" pitchFamily="2" charset="0"/>
+              </a:rPr>
+              <a:t>) </a:t>
             </a:r>
           </a:p>
           <a:p>
